--- a/design doc.pptx
+++ b/design doc.pptx
@@ -155,10 +155,9 @@
           </a:lstStyle>
           <a:p>
             <a:r>
-              <a:rPr lang="en-US" smtClean="0"/>
+              <a:rPr lang="en-US"/>
               <a:t>Click to edit Master title style</a:t>
             </a:r>
-            <a:endParaRPr lang="en-US"/>
           </a:p>
         </p:txBody>
       </p:sp>
@@ -220,10 +219,9 @@
           </a:lstStyle>
           <a:p>
             <a:r>
-              <a:rPr lang="en-US" smtClean="0"/>
+              <a:rPr lang="en-US"/>
               <a:t>Click to edit Master subtitle style</a:t>
             </a:r>
-            <a:endParaRPr lang="en-US"/>
           </a:p>
         </p:txBody>
       </p:sp>
@@ -244,7 +242,7 @@
           <a:p>
             <a:fld id="{EE78E853-34C3-4CEA-8CB9-E2BBA270E793}" type="datetimeFigureOut">
               <a:rPr lang="en-US" smtClean="0"/>
-              <a:t>7/12/2019</a:t>
+              <a:t>10/4/21</a:t>
             </a:fld>
             <a:endParaRPr lang="en-US"/>
           </a:p>
@@ -338,10 +336,9 @@
           <a:lstStyle/>
           <a:p>
             <a:r>
-              <a:rPr lang="en-US" smtClean="0"/>
+              <a:rPr lang="en-US"/>
               <a:t>Click to edit Master title style</a:t>
             </a:r>
-            <a:endParaRPr lang="en-US"/>
           </a:p>
         </p:txBody>
       </p:sp>
@@ -362,38 +359,37 @@
           <a:p>
             <a:pPr lvl="0"/>
             <a:r>
-              <a:rPr lang="en-US" smtClean="0"/>
+              <a:rPr lang="en-US"/>
               <a:t>Edit Master text styles</a:t>
             </a:r>
           </a:p>
           <a:p>
             <a:pPr lvl="1"/>
             <a:r>
-              <a:rPr lang="en-US" smtClean="0"/>
+              <a:rPr lang="en-US"/>
               <a:t>Second level</a:t>
             </a:r>
           </a:p>
           <a:p>
             <a:pPr lvl="2"/>
             <a:r>
-              <a:rPr lang="en-US" smtClean="0"/>
+              <a:rPr lang="en-US"/>
               <a:t>Third level</a:t>
             </a:r>
           </a:p>
           <a:p>
             <a:pPr lvl="3"/>
             <a:r>
-              <a:rPr lang="en-US" smtClean="0"/>
+              <a:rPr lang="en-US"/>
               <a:t>Fourth level</a:t>
             </a:r>
           </a:p>
           <a:p>
             <a:pPr lvl="4"/>
             <a:r>
-              <a:rPr lang="en-US" smtClean="0"/>
+              <a:rPr lang="en-US"/>
               <a:t>Fifth level</a:t>
             </a:r>
-            <a:endParaRPr lang="en-US"/>
           </a:p>
         </p:txBody>
       </p:sp>
@@ -414,7 +410,7 @@
           <a:p>
             <a:fld id="{EE78E853-34C3-4CEA-8CB9-E2BBA270E793}" type="datetimeFigureOut">
               <a:rPr lang="en-US" smtClean="0"/>
-              <a:t>7/12/2019</a:t>
+              <a:t>10/4/21</a:t>
             </a:fld>
             <a:endParaRPr lang="en-US"/>
           </a:p>
@@ -513,10 +509,9 @@
           <a:lstStyle/>
           <a:p>
             <a:r>
-              <a:rPr lang="en-US" smtClean="0"/>
+              <a:rPr lang="en-US"/>
               <a:t>Click to edit Master title style</a:t>
             </a:r>
-            <a:endParaRPr lang="en-US"/>
           </a:p>
         </p:txBody>
       </p:sp>
@@ -542,38 +537,37 @@
           <a:p>
             <a:pPr lvl="0"/>
             <a:r>
-              <a:rPr lang="en-US" smtClean="0"/>
+              <a:rPr lang="en-US"/>
               <a:t>Edit Master text styles</a:t>
             </a:r>
           </a:p>
           <a:p>
             <a:pPr lvl="1"/>
             <a:r>
-              <a:rPr lang="en-US" smtClean="0"/>
+              <a:rPr lang="en-US"/>
               <a:t>Second level</a:t>
             </a:r>
           </a:p>
           <a:p>
             <a:pPr lvl="2"/>
             <a:r>
-              <a:rPr lang="en-US" smtClean="0"/>
+              <a:rPr lang="en-US"/>
               <a:t>Third level</a:t>
             </a:r>
           </a:p>
           <a:p>
             <a:pPr lvl="3"/>
             <a:r>
-              <a:rPr lang="en-US" smtClean="0"/>
+              <a:rPr lang="en-US"/>
               <a:t>Fourth level</a:t>
             </a:r>
           </a:p>
           <a:p>
             <a:pPr lvl="4"/>
             <a:r>
-              <a:rPr lang="en-US" smtClean="0"/>
+              <a:rPr lang="en-US"/>
               <a:t>Fifth level</a:t>
             </a:r>
-            <a:endParaRPr lang="en-US"/>
           </a:p>
         </p:txBody>
       </p:sp>
@@ -594,7 +588,7 @@
           <a:p>
             <a:fld id="{EE78E853-34C3-4CEA-8CB9-E2BBA270E793}" type="datetimeFigureOut">
               <a:rPr lang="en-US" smtClean="0"/>
-              <a:t>7/12/2019</a:t>
+              <a:t>10/4/21</a:t>
             </a:fld>
             <a:endParaRPr lang="en-US"/>
           </a:p>
@@ -688,10 +682,9 @@
           <a:lstStyle/>
           <a:p>
             <a:r>
-              <a:rPr lang="en-US" smtClean="0"/>
+              <a:rPr lang="en-US"/>
               <a:t>Click to edit Master title style</a:t>
             </a:r>
-            <a:endParaRPr lang="en-US"/>
           </a:p>
         </p:txBody>
       </p:sp>
@@ -712,38 +705,37 @@
           <a:p>
             <a:pPr lvl="0"/>
             <a:r>
-              <a:rPr lang="en-US" smtClean="0"/>
+              <a:rPr lang="en-US"/>
               <a:t>Edit Master text styles</a:t>
             </a:r>
           </a:p>
           <a:p>
             <a:pPr lvl="1"/>
             <a:r>
-              <a:rPr lang="en-US" smtClean="0"/>
+              <a:rPr lang="en-US"/>
               <a:t>Second level</a:t>
             </a:r>
           </a:p>
           <a:p>
             <a:pPr lvl="2"/>
             <a:r>
-              <a:rPr lang="en-US" smtClean="0"/>
+              <a:rPr lang="en-US"/>
               <a:t>Third level</a:t>
             </a:r>
           </a:p>
           <a:p>
             <a:pPr lvl="3"/>
             <a:r>
-              <a:rPr lang="en-US" smtClean="0"/>
+              <a:rPr lang="en-US"/>
               <a:t>Fourth level</a:t>
             </a:r>
           </a:p>
           <a:p>
             <a:pPr lvl="4"/>
             <a:r>
-              <a:rPr lang="en-US" smtClean="0"/>
+              <a:rPr lang="en-US"/>
               <a:t>Fifth level</a:t>
             </a:r>
-            <a:endParaRPr lang="en-US"/>
           </a:p>
         </p:txBody>
       </p:sp>
@@ -764,7 +756,7 @@
           <a:p>
             <a:fld id="{EE78E853-34C3-4CEA-8CB9-E2BBA270E793}" type="datetimeFigureOut">
               <a:rPr lang="en-US" smtClean="0"/>
-              <a:t>7/12/2019</a:t>
+              <a:t>10/4/21</a:t>
             </a:fld>
             <a:endParaRPr lang="en-US"/>
           </a:p>
@@ -867,10 +859,9 @@
           </a:lstStyle>
           <a:p>
             <a:r>
-              <a:rPr lang="en-US" smtClean="0"/>
+              <a:rPr lang="en-US"/>
               <a:t>Click to edit Master title style</a:t>
             </a:r>
-            <a:endParaRPr lang="en-US"/>
           </a:p>
         </p:txBody>
       </p:sp>
@@ -987,7 +978,7 @@
           <a:p>
             <a:pPr lvl="0"/>
             <a:r>
-              <a:rPr lang="en-US" smtClean="0"/>
+              <a:rPr lang="en-US"/>
               <a:t>Edit Master text styles</a:t>
             </a:r>
           </a:p>
@@ -1010,7 +1001,7 @@
           <a:p>
             <a:fld id="{EE78E853-34C3-4CEA-8CB9-E2BBA270E793}" type="datetimeFigureOut">
               <a:rPr lang="en-US" smtClean="0"/>
-              <a:t>7/12/2019</a:t>
+              <a:t>10/4/21</a:t>
             </a:fld>
             <a:endParaRPr lang="en-US"/>
           </a:p>
@@ -1104,10 +1095,9 @@
           <a:lstStyle/>
           <a:p>
             <a:r>
-              <a:rPr lang="en-US" smtClean="0"/>
+              <a:rPr lang="en-US"/>
               <a:t>Click to edit Master title style</a:t>
             </a:r>
-            <a:endParaRPr lang="en-US"/>
           </a:p>
         </p:txBody>
       </p:sp>
@@ -1133,38 +1123,37 @@
           <a:p>
             <a:pPr lvl="0"/>
             <a:r>
-              <a:rPr lang="en-US" smtClean="0"/>
+              <a:rPr lang="en-US"/>
               <a:t>Edit Master text styles</a:t>
             </a:r>
           </a:p>
           <a:p>
             <a:pPr lvl="1"/>
             <a:r>
-              <a:rPr lang="en-US" smtClean="0"/>
+              <a:rPr lang="en-US"/>
               <a:t>Second level</a:t>
             </a:r>
           </a:p>
           <a:p>
             <a:pPr lvl="2"/>
             <a:r>
-              <a:rPr lang="en-US" smtClean="0"/>
+              <a:rPr lang="en-US"/>
               <a:t>Third level</a:t>
             </a:r>
           </a:p>
           <a:p>
             <a:pPr lvl="3"/>
             <a:r>
-              <a:rPr lang="en-US" smtClean="0"/>
+              <a:rPr lang="en-US"/>
               <a:t>Fourth level</a:t>
             </a:r>
           </a:p>
           <a:p>
             <a:pPr lvl="4"/>
             <a:r>
-              <a:rPr lang="en-US" smtClean="0"/>
+              <a:rPr lang="en-US"/>
               <a:t>Fifth level</a:t>
             </a:r>
-            <a:endParaRPr lang="en-US"/>
           </a:p>
         </p:txBody>
       </p:sp>
@@ -1190,38 +1179,37 @@
           <a:p>
             <a:pPr lvl="0"/>
             <a:r>
-              <a:rPr lang="en-US" smtClean="0"/>
+              <a:rPr lang="en-US"/>
               <a:t>Edit Master text styles</a:t>
             </a:r>
           </a:p>
           <a:p>
             <a:pPr lvl="1"/>
             <a:r>
-              <a:rPr lang="en-US" smtClean="0"/>
+              <a:rPr lang="en-US"/>
               <a:t>Second level</a:t>
             </a:r>
           </a:p>
           <a:p>
             <a:pPr lvl="2"/>
             <a:r>
-              <a:rPr lang="en-US" smtClean="0"/>
+              <a:rPr lang="en-US"/>
               <a:t>Third level</a:t>
             </a:r>
           </a:p>
           <a:p>
             <a:pPr lvl="3"/>
             <a:r>
-              <a:rPr lang="en-US" smtClean="0"/>
+              <a:rPr lang="en-US"/>
               <a:t>Fourth level</a:t>
             </a:r>
           </a:p>
           <a:p>
             <a:pPr lvl="4"/>
             <a:r>
-              <a:rPr lang="en-US" smtClean="0"/>
+              <a:rPr lang="en-US"/>
               <a:t>Fifth level</a:t>
             </a:r>
-            <a:endParaRPr lang="en-US"/>
           </a:p>
         </p:txBody>
       </p:sp>
@@ -1242,7 +1230,7 @@
           <a:p>
             <a:fld id="{EE78E853-34C3-4CEA-8CB9-E2BBA270E793}" type="datetimeFigureOut">
               <a:rPr lang="en-US" smtClean="0"/>
-              <a:t>7/12/2019</a:t>
+              <a:t>10/4/21</a:t>
             </a:fld>
             <a:endParaRPr lang="en-US"/>
           </a:p>
@@ -1341,10 +1329,9 @@
           <a:lstStyle/>
           <a:p>
             <a:r>
-              <a:rPr lang="en-US" smtClean="0"/>
+              <a:rPr lang="en-US"/>
               <a:t>Click to edit Master title style</a:t>
             </a:r>
-            <a:endParaRPr lang="en-US"/>
           </a:p>
         </p:txBody>
       </p:sp>
@@ -1407,7 +1394,7 @@
           <a:p>
             <a:pPr lvl="0"/>
             <a:r>
-              <a:rPr lang="en-US" smtClean="0"/>
+              <a:rPr lang="en-US"/>
               <a:t>Edit Master text styles</a:t>
             </a:r>
           </a:p>
@@ -1435,38 +1422,37 @@
           <a:p>
             <a:pPr lvl="0"/>
             <a:r>
-              <a:rPr lang="en-US" smtClean="0"/>
+              <a:rPr lang="en-US"/>
               <a:t>Edit Master text styles</a:t>
             </a:r>
           </a:p>
           <a:p>
             <a:pPr lvl="1"/>
             <a:r>
-              <a:rPr lang="en-US" smtClean="0"/>
+              <a:rPr lang="en-US"/>
               <a:t>Second level</a:t>
             </a:r>
           </a:p>
           <a:p>
             <a:pPr lvl="2"/>
             <a:r>
-              <a:rPr lang="en-US" smtClean="0"/>
+              <a:rPr lang="en-US"/>
               <a:t>Third level</a:t>
             </a:r>
           </a:p>
           <a:p>
             <a:pPr lvl="3"/>
             <a:r>
-              <a:rPr lang="en-US" smtClean="0"/>
+              <a:rPr lang="en-US"/>
               <a:t>Fourth level</a:t>
             </a:r>
           </a:p>
           <a:p>
             <a:pPr lvl="4"/>
             <a:r>
-              <a:rPr lang="en-US" smtClean="0"/>
+              <a:rPr lang="en-US"/>
               <a:t>Fifth level</a:t>
             </a:r>
-            <a:endParaRPr lang="en-US"/>
           </a:p>
         </p:txBody>
       </p:sp>
@@ -1529,7 +1515,7 @@
           <a:p>
             <a:pPr lvl="0"/>
             <a:r>
-              <a:rPr lang="en-US" smtClean="0"/>
+              <a:rPr lang="en-US"/>
               <a:t>Edit Master text styles</a:t>
             </a:r>
           </a:p>
@@ -1557,38 +1543,37 @@
           <a:p>
             <a:pPr lvl="0"/>
             <a:r>
-              <a:rPr lang="en-US" smtClean="0"/>
+              <a:rPr lang="en-US"/>
               <a:t>Edit Master text styles</a:t>
             </a:r>
           </a:p>
           <a:p>
             <a:pPr lvl="1"/>
             <a:r>
-              <a:rPr lang="en-US" smtClean="0"/>
+              <a:rPr lang="en-US"/>
               <a:t>Second level</a:t>
             </a:r>
           </a:p>
           <a:p>
             <a:pPr lvl="2"/>
             <a:r>
-              <a:rPr lang="en-US" smtClean="0"/>
+              <a:rPr lang="en-US"/>
               <a:t>Third level</a:t>
             </a:r>
           </a:p>
           <a:p>
             <a:pPr lvl="3"/>
             <a:r>
-              <a:rPr lang="en-US" smtClean="0"/>
+              <a:rPr lang="en-US"/>
               <a:t>Fourth level</a:t>
             </a:r>
           </a:p>
           <a:p>
             <a:pPr lvl="4"/>
             <a:r>
-              <a:rPr lang="en-US" smtClean="0"/>
+              <a:rPr lang="en-US"/>
               <a:t>Fifth level</a:t>
             </a:r>
-            <a:endParaRPr lang="en-US"/>
           </a:p>
         </p:txBody>
       </p:sp>
@@ -1609,7 +1594,7 @@
           <a:p>
             <a:fld id="{EE78E853-34C3-4CEA-8CB9-E2BBA270E793}" type="datetimeFigureOut">
               <a:rPr lang="en-US" smtClean="0"/>
-              <a:t>7/12/2019</a:t>
+              <a:t>10/4/21</a:t>
             </a:fld>
             <a:endParaRPr lang="en-US"/>
           </a:p>
@@ -1703,10 +1688,9 @@
           <a:lstStyle/>
           <a:p>
             <a:r>
-              <a:rPr lang="en-US" smtClean="0"/>
+              <a:rPr lang="en-US"/>
               <a:t>Click to edit Master title style</a:t>
             </a:r>
-            <a:endParaRPr lang="en-US"/>
           </a:p>
         </p:txBody>
       </p:sp>
@@ -1727,7 +1711,7 @@
           <a:p>
             <a:fld id="{EE78E853-34C3-4CEA-8CB9-E2BBA270E793}" type="datetimeFigureOut">
               <a:rPr lang="en-US" smtClean="0"/>
-              <a:t>7/12/2019</a:t>
+              <a:t>10/4/21</a:t>
             </a:fld>
             <a:endParaRPr lang="en-US"/>
           </a:p>
@@ -1822,7 +1806,7 @@
           <a:p>
             <a:fld id="{EE78E853-34C3-4CEA-8CB9-E2BBA270E793}" type="datetimeFigureOut">
               <a:rPr lang="en-US" smtClean="0"/>
-              <a:t>7/12/2019</a:t>
+              <a:t>10/4/21</a:t>
             </a:fld>
             <a:endParaRPr lang="en-US"/>
           </a:p>
@@ -1925,10 +1909,9 @@
           </a:lstStyle>
           <a:p>
             <a:r>
-              <a:rPr lang="en-US" smtClean="0"/>
+              <a:rPr lang="en-US"/>
               <a:t>Click to edit Master title style</a:t>
             </a:r>
-            <a:endParaRPr lang="en-US"/>
           </a:p>
         </p:txBody>
       </p:sp>
@@ -1982,38 +1965,37 @@
           <a:p>
             <a:pPr lvl="0"/>
             <a:r>
-              <a:rPr lang="en-US" smtClean="0"/>
+              <a:rPr lang="en-US"/>
               <a:t>Edit Master text styles</a:t>
             </a:r>
           </a:p>
           <a:p>
             <a:pPr lvl="1"/>
             <a:r>
-              <a:rPr lang="en-US" smtClean="0"/>
+              <a:rPr lang="en-US"/>
               <a:t>Second level</a:t>
             </a:r>
           </a:p>
           <a:p>
             <a:pPr lvl="2"/>
             <a:r>
-              <a:rPr lang="en-US" smtClean="0"/>
+              <a:rPr lang="en-US"/>
               <a:t>Third level</a:t>
             </a:r>
           </a:p>
           <a:p>
             <a:pPr lvl="3"/>
             <a:r>
-              <a:rPr lang="en-US" smtClean="0"/>
+              <a:rPr lang="en-US"/>
               <a:t>Fourth level</a:t>
             </a:r>
           </a:p>
           <a:p>
             <a:pPr lvl="4"/>
             <a:r>
-              <a:rPr lang="en-US" smtClean="0"/>
+              <a:rPr lang="en-US"/>
               <a:t>Fifth level</a:t>
             </a:r>
-            <a:endParaRPr lang="en-US"/>
           </a:p>
         </p:txBody>
       </p:sp>
@@ -2076,7 +2058,7 @@
           <a:p>
             <a:pPr lvl="0"/>
             <a:r>
-              <a:rPr lang="en-US" smtClean="0"/>
+              <a:rPr lang="en-US"/>
               <a:t>Edit Master text styles</a:t>
             </a:r>
           </a:p>
@@ -2099,7 +2081,7 @@
           <a:p>
             <a:fld id="{EE78E853-34C3-4CEA-8CB9-E2BBA270E793}" type="datetimeFigureOut">
               <a:rPr lang="en-US" smtClean="0"/>
-              <a:t>7/12/2019</a:t>
+              <a:t>10/4/21</a:t>
             </a:fld>
             <a:endParaRPr lang="en-US"/>
           </a:p>
@@ -2202,10 +2184,9 @@
           </a:lstStyle>
           <a:p>
             <a:r>
-              <a:rPr lang="en-US" smtClean="0"/>
+              <a:rPr lang="en-US"/>
               <a:t>Click to edit Master title style</a:t>
             </a:r>
-            <a:endParaRPr lang="en-US"/>
           </a:p>
         </p:txBody>
       </p:sp>
@@ -2329,7 +2310,7 @@
           <a:p>
             <a:pPr lvl="0"/>
             <a:r>
-              <a:rPr lang="en-US" smtClean="0"/>
+              <a:rPr lang="en-US"/>
               <a:t>Edit Master text styles</a:t>
             </a:r>
           </a:p>
@@ -2352,7 +2333,7 @@
           <a:p>
             <a:fld id="{EE78E853-34C3-4CEA-8CB9-E2BBA270E793}" type="datetimeFigureOut">
               <a:rPr lang="en-US" smtClean="0"/>
-              <a:t>7/12/2019</a:t>
+              <a:t>10/4/21</a:t>
             </a:fld>
             <a:endParaRPr lang="en-US"/>
           </a:p>
@@ -2461,10 +2442,9 @@
           <a:lstStyle/>
           <a:p>
             <a:r>
-              <a:rPr lang="en-US" smtClean="0"/>
+              <a:rPr lang="en-US"/>
               <a:t>Click to edit Master title style</a:t>
             </a:r>
-            <a:endParaRPr lang="en-US"/>
           </a:p>
         </p:txBody>
       </p:sp>
@@ -2495,38 +2475,37 @@
           <a:p>
             <a:pPr lvl="0"/>
             <a:r>
-              <a:rPr lang="en-US" smtClean="0"/>
+              <a:rPr lang="en-US"/>
               <a:t>Edit Master text styles</a:t>
             </a:r>
           </a:p>
           <a:p>
             <a:pPr lvl="1"/>
             <a:r>
-              <a:rPr lang="en-US" smtClean="0"/>
+              <a:rPr lang="en-US"/>
               <a:t>Second level</a:t>
             </a:r>
           </a:p>
           <a:p>
             <a:pPr lvl="2"/>
             <a:r>
-              <a:rPr lang="en-US" smtClean="0"/>
+              <a:rPr lang="en-US"/>
               <a:t>Third level</a:t>
             </a:r>
           </a:p>
           <a:p>
             <a:pPr lvl="3"/>
             <a:r>
-              <a:rPr lang="en-US" smtClean="0"/>
+              <a:rPr lang="en-US"/>
               <a:t>Fourth level</a:t>
             </a:r>
           </a:p>
           <a:p>
             <a:pPr lvl="4"/>
             <a:r>
-              <a:rPr lang="en-US" smtClean="0"/>
+              <a:rPr lang="en-US"/>
               <a:t>Fifth level</a:t>
             </a:r>
-            <a:endParaRPr lang="en-US"/>
           </a:p>
         </p:txBody>
       </p:sp>
@@ -2565,7 +2544,7 @@
           <a:p>
             <a:fld id="{EE78E853-34C3-4CEA-8CB9-E2BBA270E793}" type="datetimeFigureOut">
               <a:rPr lang="en-US" smtClean="0"/>
-              <a:t>7/12/2019</a:t>
+              <a:t>10/4/21</a:t>
             </a:fld>
             <a:endParaRPr lang="en-US"/>
           </a:p>
@@ -3008,8 +2987,8 @@
           <a:p>
             <a:pPr algn="ctr"/>
             <a:r>
-              <a:rPr lang="en-US" dirty="0" smtClean="0"/>
-              <a:t>Worker</a:t>
+              <a:rPr lang="en-US" dirty="0" err="1"/>
+              <a:t>pajero</a:t>
             </a:r>
             <a:endParaRPr lang="en-US" dirty="0"/>
           </a:p>
@@ -3052,7 +3031,7 @@
           <a:p>
             <a:pPr algn="ctr"/>
             <a:r>
-              <a:rPr lang="en-US" dirty="0" smtClean="0"/>
+              <a:rPr lang="en-US" dirty="0"/>
               <a:t>Viewer</a:t>
             </a:r>
           </a:p>
@@ -3061,7 +3040,7 @@
               <a:buAutoNum type="arabicPeriod"/>
             </a:pPr>
             <a:r>
-              <a:rPr lang="en-US" sz="1200" dirty="0" smtClean="0"/>
+              <a:rPr lang="en-US" sz="1200" dirty="0"/>
               <a:t>Show connection</a:t>
             </a:r>
           </a:p>
@@ -3070,7 +3049,7 @@
               <a:buAutoNum type="arabicPeriod"/>
             </a:pPr>
             <a:r>
-              <a:rPr lang="en-US" sz="1200" dirty="0" smtClean="0"/>
+              <a:rPr lang="en-US" sz="1200" dirty="0"/>
               <a:t>Filtering</a:t>
             </a:r>
           </a:p>
@@ -3079,10 +3058,9 @@
               <a:buAutoNum type="arabicPeriod"/>
             </a:pPr>
             <a:r>
-              <a:rPr lang="en-US" sz="1200" dirty="0" smtClean="0"/>
-              <a:t>Generate python code</a:t>
-            </a:r>
-            <a:endParaRPr lang="en-US" sz="1200" dirty="0"/>
+              <a:rPr lang="en-US" sz="1200" dirty="0"/>
+              <a:t>Generate python code for generating payload</a:t>
+            </a:r>
           </a:p>
         </p:txBody>
       </p:sp>
@@ -3123,7 +3101,7 @@
           <a:p>
             <a:pPr algn="ctr"/>
             <a:r>
-              <a:rPr lang="en-US" dirty="0" smtClean="0"/>
+              <a:rPr lang="en-US" dirty="0"/>
               <a:t>Admin</a:t>
             </a:r>
           </a:p>
@@ -3132,7 +3110,7 @@
               <a:buAutoNum type="arabicPeriod"/>
             </a:pPr>
             <a:r>
-              <a:rPr lang="en-US" sz="1400" dirty="0" smtClean="0"/>
+              <a:rPr lang="en-US" sz="1400" dirty="0"/>
               <a:t>Team list</a:t>
             </a:r>
           </a:p>
@@ -3141,7 +3119,7 @@
               <a:buAutoNum type="arabicPeriod"/>
             </a:pPr>
             <a:r>
-              <a:rPr lang="en-US" sz="1400" dirty="0" smtClean="0"/>
+              <a:rPr lang="en-US" sz="1400" dirty="0"/>
               <a:t>Service list</a:t>
             </a:r>
           </a:p>
@@ -3150,7 +3128,7 @@
               <a:buAutoNum type="arabicPeriod"/>
             </a:pPr>
             <a:r>
-              <a:rPr lang="en-US" sz="1400" dirty="0" smtClean="0"/>
+              <a:rPr lang="en-US" sz="1400" dirty="0"/>
               <a:t>Flag list</a:t>
             </a:r>
           </a:p>
@@ -3159,7 +3137,7 @@
               <a:buAutoNum type="arabicPeriod"/>
             </a:pPr>
             <a:r>
-              <a:rPr lang="en-US" sz="1400" dirty="0" smtClean="0"/>
+              <a:rPr lang="en-US" sz="1400" dirty="0"/>
               <a:t>Packet upload</a:t>
             </a:r>
           </a:p>
@@ -3208,10 +3186,9 @@
           <a:p>
             <a:pPr algn="ctr"/>
             <a:r>
-              <a:rPr lang="en-US" dirty="0" smtClean="0"/>
+              <a:rPr lang="en-US" dirty="0"/>
               <a:t>Storage</a:t>
             </a:r>
-            <a:endParaRPr lang="en-US" dirty="0"/>
           </a:p>
         </p:txBody>
       </p:sp>
@@ -3252,10 +3229,9 @@
           <a:p>
             <a:pPr algn="ctr"/>
             <a:r>
-              <a:rPr lang="en-US" sz="1200" dirty="0" smtClean="0"/>
+              <a:rPr lang="en-US" sz="1200" dirty="0"/>
               <a:t>Replay queue</a:t>
             </a:r>
-            <a:endParaRPr lang="en-US" sz="1200" dirty="0"/>
           </a:p>
         </p:txBody>
       </p:sp>
@@ -3302,10 +3278,9 @@
           <a:p>
             <a:pPr algn="ctr"/>
             <a:r>
-              <a:rPr lang="en-US" sz="1000" dirty="0" smtClean="0"/>
+              <a:rPr lang="en-US" sz="1000" dirty="0"/>
               <a:t>payload</a:t>
             </a:r>
-            <a:endParaRPr lang="en-US" sz="1000" dirty="0"/>
           </a:p>
         </p:txBody>
       </p:sp>
@@ -3352,10 +3327,9 @@
           <a:p>
             <a:pPr algn="ctr"/>
             <a:r>
-              <a:rPr lang="en-US" sz="1000" dirty="0" smtClean="0"/>
+              <a:rPr lang="en-US" sz="1000" dirty="0"/>
               <a:t>payload</a:t>
             </a:r>
-            <a:endParaRPr lang="en-US" sz="1000" dirty="0"/>
           </a:p>
         </p:txBody>
       </p:sp>
@@ -3402,10 +3376,9 @@
           <a:p>
             <a:pPr algn="ctr"/>
             <a:r>
-              <a:rPr lang="en-US" sz="1000" dirty="0" smtClean="0"/>
+              <a:rPr lang="en-US" sz="1000" dirty="0"/>
               <a:t>payload</a:t>
             </a:r>
-            <a:endParaRPr lang="en-US" sz="1000" dirty="0"/>
           </a:p>
         </p:txBody>
       </p:sp>
@@ -3449,10 +3422,9 @@
           <a:p>
             <a:pPr algn="ctr"/>
             <a:r>
-              <a:rPr lang="en-US" sz="1000" dirty="0" smtClean="0"/>
+              <a:rPr lang="en-US" sz="1000" dirty="0"/>
               <a:t>target</a:t>
             </a:r>
-            <a:endParaRPr lang="en-US" sz="1000" dirty="0"/>
           </a:p>
         </p:txBody>
       </p:sp>
@@ -3496,10 +3468,9 @@
           <a:p>
             <a:pPr algn="ctr"/>
             <a:r>
-              <a:rPr lang="en-US" sz="1000" dirty="0" smtClean="0"/>
+              <a:rPr lang="en-US" sz="1000" dirty="0"/>
               <a:t>target</a:t>
             </a:r>
-            <a:endParaRPr lang="en-US" sz="1000" dirty="0"/>
           </a:p>
         </p:txBody>
       </p:sp>
@@ -3543,10 +3514,9 @@
           <a:p>
             <a:pPr algn="ctr"/>
             <a:r>
-              <a:rPr lang="en-US" sz="1000" dirty="0" smtClean="0"/>
+              <a:rPr lang="en-US" sz="1000" dirty="0"/>
               <a:t>target</a:t>
             </a:r>
-            <a:endParaRPr lang="en-US" sz="1000" dirty="0"/>
           </a:p>
         </p:txBody>
       </p:sp>
@@ -3699,10 +3669,9 @@
           <a:p>
             <a:pPr algn="ctr"/>
             <a:r>
-              <a:rPr lang="en-US" sz="1000" dirty="0" smtClean="0"/>
+              <a:rPr lang="en-US" sz="1000" dirty="0"/>
               <a:t>payload</a:t>
             </a:r>
-            <a:endParaRPr lang="en-US" sz="1000" dirty="0"/>
           </a:p>
         </p:txBody>
       </p:sp>
@@ -3746,10 +3715,9 @@
           <a:p>
             <a:pPr algn="ctr"/>
             <a:r>
-              <a:rPr lang="en-US" sz="1200" dirty="0" smtClean="0"/>
-              <a:t>Packet [round]/[team]/[service]/[connection]</a:t>
-            </a:r>
-            <a:endParaRPr lang="en-US" sz="1200" dirty="0"/>
+              <a:rPr lang="en-US" sz="1200" dirty="0"/>
+              <a:t>Organized packets [round]/[team]/[service]/[connection]</a:t>
+            </a:r>
           </a:p>
         </p:txBody>
       </p:sp>
@@ -3793,10 +3761,17 @@
           <a:p>
             <a:pPr algn="ctr"/>
             <a:r>
-              <a:rPr lang="en-US" sz="1200" dirty="0" err="1" smtClean="0"/>
-              <a:t>Config.json</a:t>
-            </a:r>
-            <a:endParaRPr lang="en-US" sz="1200" dirty="0"/>
+              <a:rPr lang="en-US" sz="1200" dirty="0"/>
+              <a:t>Configuration(</a:t>
+            </a:r>
+            <a:r>
+              <a:rPr lang="en-US" sz="1200" dirty="0" err="1"/>
+              <a:t>conf.json</a:t>
+            </a:r>
+            <a:r>
+              <a:rPr lang="en-US" sz="1200" dirty="0"/>
+              <a:t>)</a:t>
+            </a:r>
           </a:p>
         </p:txBody>
       </p:sp>
@@ -3843,10 +3818,9 @@
           <a:p>
             <a:pPr algn="ctr"/>
             <a:r>
-              <a:rPr lang="en-US" dirty="0" smtClean="0"/>
+              <a:rPr lang="en-US" dirty="0"/>
               <a:t>Admin API</a:t>
             </a:r>
-            <a:endParaRPr lang="en-US" dirty="0"/>
           </a:p>
         </p:txBody>
       </p:sp>
@@ -3930,10 +3904,9 @@
           <a:p>
             <a:pPr algn="ctr"/>
             <a:r>
-              <a:rPr lang="en-US" dirty="0" smtClean="0"/>
+              <a:rPr lang="en-US" dirty="0"/>
               <a:t>Analyzer</a:t>
             </a:r>
-            <a:endParaRPr lang="en-US" dirty="0"/>
           </a:p>
         </p:txBody>
       </p:sp>
@@ -4053,10 +4026,9 @@
           <a:p>
             <a:pPr algn="ctr"/>
             <a:r>
-              <a:rPr lang="en-US" sz="1000" dirty="0" smtClean="0"/>
+              <a:rPr lang="en-US" sz="1000" dirty="0"/>
               <a:t>payload</a:t>
             </a:r>
-            <a:endParaRPr lang="en-US" sz="1000" dirty="0"/>
           </a:p>
         </p:txBody>
       </p:sp>
@@ -4137,10 +4109,9 @@
           <a:p>
             <a:pPr algn="ctr"/>
             <a:r>
-              <a:rPr lang="en-US" sz="1000" dirty="0" smtClean="0"/>
+              <a:rPr lang="en-US" sz="1000" dirty="0"/>
               <a:t>packet</a:t>
             </a:r>
-            <a:endParaRPr lang="en-US" sz="1000" dirty="0"/>
           </a:p>
         </p:txBody>
       </p:sp>
@@ -4256,10 +4227,9 @@
           <a:p>
             <a:pPr algn="ctr"/>
             <a:r>
-              <a:rPr lang="en-US" sz="1200" dirty="0" smtClean="0"/>
-              <a:t>Packet [round]/[team]/[service]/flag/[connection]</a:t>
-            </a:r>
-            <a:endParaRPr lang="en-US" sz="1200" dirty="0"/>
+              <a:rPr lang="en-US" sz="1200" dirty="0"/>
+              <a:t>Attack payloads [round]/[team]/[service]/flag/[connection]</a:t>
+            </a:r>
           </a:p>
         </p:txBody>
       </p:sp>
@@ -4339,10 +4309,9 @@
           <a:p>
             <a:pPr algn="ctr"/>
             <a:r>
-              <a:rPr lang="en-US" sz="1000" dirty="0" smtClean="0"/>
+              <a:rPr lang="en-US" sz="1000" dirty="0"/>
               <a:t>Viewer API</a:t>
             </a:r>
-            <a:endParaRPr lang="en-US" sz="1000" dirty="0"/>
           </a:p>
         </p:txBody>
       </p:sp>
@@ -4456,18 +4425,13 @@
           <a:p>
             <a:pPr algn="ctr"/>
             <a:r>
-              <a:rPr lang="en-US" dirty="0" smtClean="0">
+              <a:rPr lang="en-US" dirty="0">
                 <a:solidFill>
                   <a:schemeClr val="tx1"/>
                 </a:solidFill>
               </a:rPr>
-              <a:t>Outside</a:t>
-            </a:r>
-            <a:endParaRPr lang="en-US" dirty="0">
-              <a:solidFill>
-                <a:schemeClr val="tx1"/>
-              </a:solidFill>
-            </a:endParaRPr>
+              <a:t>Remote player network</a:t>
+            </a:r>
           </a:p>
         </p:txBody>
       </p:sp>
@@ -4514,18 +4478,13 @@
           <a:p>
             <a:pPr algn="ctr"/>
             <a:r>
-              <a:rPr lang="en-US" dirty="0" smtClean="0">
+              <a:rPr lang="en-US" dirty="0">
                 <a:solidFill>
                   <a:schemeClr val="tx1"/>
                 </a:solidFill>
               </a:rPr>
               <a:t>AWS EC2</a:t>
             </a:r>
-            <a:endParaRPr lang="en-US" dirty="0">
-              <a:solidFill>
-                <a:schemeClr val="tx1"/>
-              </a:solidFill>
-            </a:endParaRPr>
           </a:p>
         </p:txBody>
       </p:sp>
@@ -4572,18 +4531,13 @@
           <a:p>
             <a:pPr algn="ctr"/>
             <a:r>
-              <a:rPr lang="en-US" dirty="0" smtClean="0">
+              <a:rPr lang="en-US" dirty="0">
                 <a:solidFill>
                   <a:schemeClr val="tx1"/>
                 </a:solidFill>
               </a:rPr>
               <a:t>Game network</a:t>
             </a:r>
-            <a:endParaRPr lang="en-US" dirty="0">
-              <a:solidFill>
-                <a:schemeClr val="tx1"/>
-              </a:solidFill>
-            </a:endParaRPr>
           </a:p>
         </p:txBody>
       </p:sp>
@@ -4625,8 +4579,8 @@
           <a:p>
             <a:pPr algn="ctr"/>
             <a:r>
-              <a:rPr lang="en-US" dirty="0" smtClean="0"/>
-              <a:t>Worker</a:t>
+              <a:rPr lang="en-US" dirty="0" err="1"/>
+              <a:t>pajero</a:t>
             </a:r>
             <a:endParaRPr lang="en-US" dirty="0"/>
           </a:p>
@@ -4669,7 +4623,7 @@
           <a:p>
             <a:pPr algn="ctr"/>
             <a:r>
-              <a:rPr lang="en-US" dirty="0" smtClean="0"/>
+              <a:rPr lang="en-US" dirty="0"/>
               <a:t>Viewer</a:t>
             </a:r>
           </a:p>
@@ -4678,7 +4632,7 @@
               <a:buAutoNum type="arabicPeriod"/>
             </a:pPr>
             <a:r>
-              <a:rPr lang="en-US" sz="1200" dirty="0" smtClean="0"/>
+              <a:rPr lang="en-US" sz="1200" dirty="0"/>
               <a:t>Show connection</a:t>
             </a:r>
           </a:p>
@@ -4687,7 +4641,7 @@
               <a:buAutoNum type="arabicPeriod"/>
             </a:pPr>
             <a:r>
-              <a:rPr lang="en-US" sz="1200" dirty="0" smtClean="0"/>
+              <a:rPr lang="en-US" sz="1200" dirty="0"/>
               <a:t>Filtering</a:t>
             </a:r>
           </a:p>
@@ -4696,10 +4650,9 @@
               <a:buAutoNum type="arabicPeriod"/>
             </a:pPr>
             <a:r>
-              <a:rPr lang="en-US" sz="1200" dirty="0" smtClean="0"/>
+              <a:rPr lang="en-US" sz="1200" dirty="0"/>
               <a:t>Generate python code</a:t>
             </a:r>
-            <a:endParaRPr lang="en-US" sz="1200" dirty="0"/>
           </a:p>
         </p:txBody>
       </p:sp>
@@ -4740,7 +4693,7 @@
           <a:p>
             <a:pPr algn="ctr"/>
             <a:r>
-              <a:rPr lang="en-US" dirty="0" smtClean="0"/>
+              <a:rPr lang="en-US" dirty="0"/>
               <a:t>Admin</a:t>
             </a:r>
           </a:p>
@@ -4749,7 +4702,7 @@
               <a:buAutoNum type="arabicPeriod"/>
             </a:pPr>
             <a:r>
-              <a:rPr lang="en-US" sz="1400" dirty="0" smtClean="0"/>
+              <a:rPr lang="en-US" sz="1400" dirty="0"/>
               <a:t>Team list</a:t>
             </a:r>
           </a:p>
@@ -4758,7 +4711,7 @@
               <a:buAutoNum type="arabicPeriod"/>
             </a:pPr>
             <a:r>
-              <a:rPr lang="en-US" sz="1400" dirty="0" smtClean="0"/>
+              <a:rPr lang="en-US" sz="1400" dirty="0"/>
               <a:t>Service list</a:t>
             </a:r>
           </a:p>
@@ -4767,7 +4720,7 @@
               <a:buAutoNum type="arabicPeriod"/>
             </a:pPr>
             <a:r>
-              <a:rPr lang="en-US" sz="1400" dirty="0" smtClean="0"/>
+              <a:rPr lang="en-US" sz="1400" dirty="0"/>
               <a:t>Flag list</a:t>
             </a:r>
           </a:p>
@@ -4776,7 +4729,7 @@
               <a:buAutoNum type="arabicPeriod"/>
             </a:pPr>
             <a:r>
-              <a:rPr lang="en-US" sz="1400" dirty="0" smtClean="0"/>
+              <a:rPr lang="en-US" sz="1400" dirty="0"/>
               <a:t>Packet upload</a:t>
             </a:r>
           </a:p>
@@ -4831,10 +4784,9 @@
           <a:p>
             <a:pPr algn="ctr"/>
             <a:r>
-              <a:rPr lang="en-US" dirty="0" smtClean="0"/>
+              <a:rPr lang="en-US" dirty="0"/>
               <a:t>Admin API</a:t>
             </a:r>
-            <a:endParaRPr lang="en-US" dirty="0"/>
           </a:p>
         </p:txBody>
       </p:sp>
@@ -4915,10 +4867,9 @@
           <a:p>
             <a:pPr algn="ctr"/>
             <a:r>
-              <a:rPr lang="en-US" sz="1000" dirty="0" smtClean="0"/>
+              <a:rPr lang="en-US" sz="1000" dirty="0"/>
               <a:t>Viewer API</a:t>
             </a:r>
-            <a:endParaRPr lang="en-US" sz="1000" dirty="0"/>
           </a:p>
         </p:txBody>
       </p:sp>
@@ -4967,8 +4918,8 @@
         </p:nvSpPr>
         <p:spPr>
           <a:xfrm>
-            <a:off x="7943326" y="5719156"/>
-            <a:ext cx="714895" cy="665017"/>
+            <a:off x="7725104" y="5719156"/>
+            <a:ext cx="933118" cy="665017"/>
           </a:xfrm>
           <a:prstGeom prst="ellipse">
             <a:avLst/>
@@ -4996,10 +4947,9 @@
           <a:p>
             <a:pPr algn="ctr"/>
             <a:r>
-              <a:rPr lang="en-US" sz="1200" dirty="0" smtClean="0"/>
-              <a:t>User</a:t>
-            </a:r>
-            <a:endParaRPr lang="en-US" sz="1200" dirty="0"/>
+              <a:rPr lang="en-US" sz="1000" dirty="0"/>
+              <a:t>Member</a:t>
+            </a:r>
           </a:p>
         </p:txBody>
       </p:sp>
@@ -5011,8 +4961,8 @@
         </p:nvSpPr>
         <p:spPr>
           <a:xfrm>
-            <a:off x="9098790" y="5726257"/>
-            <a:ext cx="714895" cy="665017"/>
+            <a:off x="8996955" y="5783575"/>
+            <a:ext cx="933118" cy="665017"/>
           </a:xfrm>
           <a:prstGeom prst="ellipse">
             <a:avLst/>
@@ -5040,10 +4990,9 @@
           <a:p>
             <a:pPr algn="ctr"/>
             <a:r>
-              <a:rPr lang="en-US" sz="1200" dirty="0" smtClean="0"/>
-              <a:t>User</a:t>
-            </a:r>
-            <a:endParaRPr lang="en-US" sz="1200" dirty="0"/>
+              <a:rPr lang="en-US" sz="1000" dirty="0"/>
+              <a:t>Member</a:t>
+            </a:r>
           </a:p>
         </p:txBody>
       </p:sp>
@@ -5055,8 +5004,8 @@
         </p:nvSpPr>
         <p:spPr>
           <a:xfrm>
-            <a:off x="10356787" y="5719155"/>
-            <a:ext cx="714895" cy="665017"/>
+            <a:off x="10323357" y="5783575"/>
+            <a:ext cx="933118" cy="665017"/>
           </a:xfrm>
           <a:prstGeom prst="ellipse">
             <a:avLst/>
@@ -5084,10 +5033,9 @@
           <a:p>
             <a:pPr algn="ctr"/>
             <a:r>
-              <a:rPr lang="en-US" sz="1200" dirty="0" smtClean="0"/>
-              <a:t>User</a:t>
-            </a:r>
-            <a:endParaRPr lang="en-US" sz="1200" dirty="0"/>
+              <a:rPr lang="en-US" sz="1000" dirty="0"/>
+              <a:t>Member</a:t>
+            </a:r>
           </a:p>
         </p:txBody>
       </p:sp>
@@ -5095,6 +5043,7 @@
         <p:nvCxnSpPr>
           <p:cNvPr id="34" name="Straight Arrow Connector 33"/>
           <p:cNvCxnSpPr>
+            <a:cxnSpLocks/>
             <a:stCxn id="31" idx="0"/>
             <a:endCxn id="5" idx="2"/>
           </p:cNvCxnSpPr>
@@ -5102,8 +5051,8 @@
         </p:nvCxnSpPr>
         <p:spPr>
           <a:xfrm flipV="1">
-            <a:off x="8300774" y="3647204"/>
-            <a:ext cx="1683850" cy="2071952"/>
+            <a:off x="8191663" y="3647204"/>
+            <a:ext cx="1792961" cy="2071952"/>
           </a:xfrm>
           <a:prstGeom prst="straightConnector1">
             <a:avLst/>
@@ -5131,14 +5080,15 @@
         <p:nvCxnSpPr>
           <p:cNvPr id="37" name="Straight Arrow Connector 36"/>
           <p:cNvCxnSpPr>
+            <a:cxnSpLocks/>
             <a:stCxn id="47" idx="0"/>
           </p:cNvCxnSpPr>
           <p:nvPr/>
         </p:nvCxnSpPr>
         <p:spPr>
           <a:xfrm flipV="1">
-            <a:off x="9456238" y="3647204"/>
-            <a:ext cx="528386" cy="2079053"/>
+            <a:off x="9463514" y="3704523"/>
+            <a:ext cx="637497" cy="2079052"/>
           </a:xfrm>
           <a:prstGeom prst="straightConnector1">
             <a:avLst/>
@@ -5166,14 +5116,15 @@
         <p:nvCxnSpPr>
           <p:cNvPr id="40" name="Straight Arrow Connector 39"/>
           <p:cNvCxnSpPr>
+            <a:cxnSpLocks/>
             <a:stCxn id="50" idx="0"/>
           </p:cNvCxnSpPr>
           <p:nvPr/>
         </p:nvCxnSpPr>
         <p:spPr>
           <a:xfrm flipH="1" flipV="1">
-            <a:off x="9991982" y="3647204"/>
-            <a:ext cx="722253" cy="2071951"/>
+            <a:off x="9958554" y="3711625"/>
+            <a:ext cx="831362" cy="2071950"/>
           </a:xfrm>
           <a:prstGeom prst="straightConnector1">
             <a:avLst/>
@@ -5237,10 +5188,9 @@
           <a:p>
             <a:pPr algn="ctr"/>
             <a:r>
-              <a:rPr lang="en-US" sz="1000" dirty="0" smtClean="0"/>
+              <a:rPr lang="en-US" sz="1000" dirty="0"/>
               <a:t>target</a:t>
             </a:r>
-            <a:endParaRPr lang="en-US" sz="1000" dirty="0"/>
           </a:p>
         </p:txBody>
       </p:sp>
@@ -5284,10 +5234,9 @@
           <a:p>
             <a:pPr algn="ctr"/>
             <a:r>
-              <a:rPr lang="en-US" sz="1000" dirty="0" smtClean="0"/>
+              <a:rPr lang="en-US" sz="1000" dirty="0"/>
               <a:t>target</a:t>
             </a:r>
-            <a:endParaRPr lang="en-US" sz="1000" dirty="0"/>
           </a:p>
         </p:txBody>
       </p:sp>
@@ -5331,10 +5280,9 @@
           <a:p>
             <a:pPr algn="ctr"/>
             <a:r>
-              <a:rPr lang="en-US" sz="1000" dirty="0" smtClean="0"/>
+              <a:rPr lang="en-US" sz="1000" dirty="0"/>
               <a:t>target</a:t>
             </a:r>
-            <a:endParaRPr lang="en-US" sz="1000" dirty="0"/>
           </a:p>
         </p:txBody>
       </p:sp>
@@ -5378,10 +5326,9 @@
           <a:p>
             <a:pPr algn="ctr"/>
             <a:r>
-              <a:rPr lang="en-US" sz="1000" dirty="0" smtClean="0"/>
+              <a:rPr lang="en-US" sz="1000" dirty="0"/>
               <a:t>target</a:t>
             </a:r>
-            <a:endParaRPr lang="en-US" sz="1000" dirty="0"/>
           </a:p>
         </p:txBody>
       </p:sp>
